--- a/meetings-ietf/ietf-116/slides-116-multi-domain-v1.pptx
+++ b/meetings-ietf/ietf-116/slides-116-multi-domain-v1.pptx
@@ -636,10 +636,10 @@
           </a:ln>
           <a:extLst>
             <a:ext uri="{FAA26D3D-D897-4be2-8F04-BA451C77F1D7}">
-              <ma14:placeholderFlag xmlns="" xmlns:ma14="http://schemas.microsoft.com/office/mac/drawingml/2011/main" val="1"/>
+              <ma14:placeholderFlag xmlns:ma14="http://schemas.microsoft.com/office/mac/drawingml/2011/main" xmlns="" val="1"/>
             </a:ext>
             <a:ext uri="{909E8E84-426E-40dd-AFC4-6F175D3DCCD1}">
-              <a14:hiddenFill xmlns:a14="http://schemas.microsoft.com/office/drawing/2010/main" xmlns="">
+              <a14:hiddenFill xmlns="" xmlns:a14="http://schemas.microsoft.com/office/drawing/2010/main">
                 <a:solidFill>
                   <a:srgbClr val="FFFFFF"/>
                 </a:solidFill>
@@ -5941,17 +5941,17 @@
           </a:ln>
           <a:extLst>
             <a:ext uri="{FAA26D3D-D897-4be2-8F04-BA451C77F1D7}">
-              <ma14:placeholderFlag xmlns="" xmlns:ma14="http://schemas.microsoft.com/office/mac/drawingml/2011/main" val="1"/>
+              <ma14:placeholderFlag xmlns:ma14="http://schemas.microsoft.com/office/mac/drawingml/2011/main" xmlns="" val="1"/>
             </a:ext>
             <a:ext uri="{909E8E84-426E-40dd-AFC4-6F175D3DCCD1}">
-              <a14:hiddenFill xmlns:a14="http://schemas.microsoft.com/office/drawing/2010/main" xmlns="">
+              <a14:hiddenFill xmlns="" xmlns:a14="http://schemas.microsoft.com/office/drawing/2010/main">
                 <a:solidFill>
                   <a:srgbClr val="FFFFFF"/>
                 </a:solidFill>
               </a14:hiddenFill>
             </a:ext>
             <a:ext uri="{91240B29-F687-4f45-9708-019B960494DF}">
-              <a14:hiddenLine xmlns:a14="http://schemas.microsoft.com/office/drawing/2010/main" xmlns="" w="9525">
+              <a14:hiddenLine xmlns="" xmlns:a14="http://schemas.microsoft.com/office/drawing/2010/main" w="9525">
                 <a:solidFill>
                   <a:srgbClr val="000000"/>
                 </a:solidFill>
@@ -6033,7 +6033,7 @@
           </a:ln>
           <a:extLst>
             <a:ext uri="{909E8E84-426E-40dd-AFC4-6F175D3DCCD1}">
-              <a14:hiddenFill xmlns:a14="http://schemas.microsoft.com/office/drawing/2010/main" xmlns="">
+              <a14:hiddenFill xmlns="" xmlns:a14="http://schemas.microsoft.com/office/drawing/2010/main">
                 <a:noFill/>
               </a14:hiddenFill>
             </a:ext>
@@ -6767,17 +6767,17 @@
           </a:ln>
           <a:extLst>
             <a:ext uri="{FAA26D3D-D897-4be2-8F04-BA451C77F1D7}">
-              <ma14:placeholderFlag xmlns:ma14="http://schemas.microsoft.com/office/mac/drawingml/2011/main" xmlns="" val="1"/>
+              <ma14:placeholderFlag xmlns="" xmlns:ma14="http://schemas.microsoft.com/office/mac/drawingml/2011/main" val="1"/>
             </a:ext>
             <a:ext uri="{909E8E84-426E-40dd-AFC4-6F175D3DCCD1}">
-              <a14:hiddenFill xmlns="" xmlns:a14="http://schemas.microsoft.com/office/drawing/2010/main">
+              <a14:hiddenFill xmlns:a14="http://schemas.microsoft.com/office/drawing/2010/main" xmlns="">
                 <a:solidFill>
                   <a:srgbClr val="FFFFFF"/>
                 </a:solidFill>
               </a14:hiddenFill>
             </a:ext>
             <a:ext uri="{91240B29-F687-4f45-9708-019B960494DF}">
-              <a14:hiddenLine xmlns="" xmlns:a14="http://schemas.microsoft.com/office/drawing/2010/main" w="9525">
+              <a14:hiddenLine xmlns:a14="http://schemas.microsoft.com/office/drawing/2010/main" xmlns="" w="9525">
                 <a:solidFill>
                   <a:srgbClr val="000000"/>
                 </a:solidFill>
@@ -6859,7 +6859,7 @@
           </a:ln>
           <a:extLst>
             <a:ext uri="{909E8E84-426E-40dd-AFC4-6F175D3DCCD1}">
-              <a14:hiddenFill xmlns="" xmlns:a14="http://schemas.microsoft.com/office/drawing/2010/main">
+              <a14:hiddenFill xmlns:a14="http://schemas.microsoft.com/office/drawing/2010/main" xmlns="">
                 <a:noFill/>
               </a14:hiddenFill>
             </a:ext>
@@ -14214,8 +14214,12 @@
             <a:pPr lvl="1"/>
             <a:r>
               <a:rPr lang="en-US" dirty="0"/>
-              <a:t>Segments obtained from BGP at source</a:t>
-            </a:r>
+              <a:t>Segments obtained from BGP at source, bootstrapping starts at source [already implemented]</a:t>
+            </a:r>
+          </a:p>
+          <a:p>
+            <a:pPr lvl="1"/>
+            <a:endParaRPr lang="en-US" dirty="0"/>
           </a:p>
           <a:p>
             <a:pPr lvl="1"/>
@@ -14231,18 +14235,6 @@
               </a:rPr>
               <a:t>segments</a:t>
             </a:r>
-            <a:br>
-              <a:rPr lang="en-US" dirty="0">
-                <a:solidFill>
-                  <a:srgbClr val="C00000"/>
-                </a:solidFill>
-              </a:rPr>
-            </a:br>
-            <a:endParaRPr lang="en-US" dirty="0">
-              <a:solidFill>
-                <a:srgbClr val="C00000"/>
-              </a:solidFill>
-            </a:endParaRPr>
           </a:p>
           <a:p>
             <a:pPr lvl="1"/>
@@ -14965,7 +14957,7 @@
                                         <p:tgtEl>
                                           <p:spTgt spid="5">
                                             <p:txEl>
-                                              <p:pRg st="8" end="8"/>
+                                              <p:pRg st="9" end="9"/>
                                             </p:txEl>
                                           </p:spTgt>
                                         </p:tgtEl>
@@ -15014,7 +15006,7 @@
                                         <p:tgtEl>
                                           <p:spTgt spid="5">
                                             <p:txEl>
-                                              <p:pRg st="9" end="9"/>
+                                              <p:pRg st="10" end="10"/>
                                             </p:txEl>
                                           </p:spTgt>
                                         </p:tgtEl>
@@ -15045,7 +15037,7 @@
                                         <p:tgtEl>
                                           <p:spTgt spid="5">
                                             <p:txEl>
-                                              <p:pRg st="10" end="10"/>
+                                              <p:pRg st="11" end="11"/>
                                             </p:txEl>
                                           </p:spTgt>
                                         </p:tgtEl>
@@ -15163,7 +15155,7 @@
           <a:p>
             <a:r>
               <a:rPr lang="en-US" dirty="0"/>
-              <a:t>Ext 1: Segment discovery (to support flow-&gt;link use case)</a:t>
+              <a:t>Ext 1: Segment discovery (to support flow-&gt;link use case) [implemented]</a:t>
             </a:r>
           </a:p>
           <a:p>
